--- a/slides/WSAA4.2 APIs in the wild irish gov_.pptx
+++ b/slides/WSAA4.2 APIs in the wild irish gov_.pptx
@@ -8,8 +8,7 @@
     <p:sldId id="256" r:id="rId2"/>
     <p:sldId id="257" r:id="rId3"/>
     <p:sldId id="270" r:id="rId4"/>
-    <p:sldId id="264" r:id="rId5"/>
-    <p:sldId id="266" r:id="rId6"/>
+    <p:sldId id="266" r:id="rId5"/>
   </p:sldIdLst>
   <p:sldSz cx="12192000" cy="6858000"/>
   <p:notesSz cx="6858000" cy="9144000"/>
@@ -226,6 +225,37 @@
       </pc:sldChg>
     </pc:docChg>
   </pc:docChgLst>
+  <pc:docChgLst>
+    <pc:chgData name="Andrew Beatty" userId="ddf183e3-d1da-49e1-9619-81ceb6b4ef92" providerId="ADAL" clId="{610437E5-3225-4615-AB6C-F8B6B2472973}"/>
+    <pc:docChg chg="delSld modSld">
+      <pc:chgData name="Andrew Beatty" userId="ddf183e3-d1da-49e1-9619-81ceb6b4ef92" providerId="ADAL" clId="{610437E5-3225-4615-AB6C-F8B6B2472973}" dt="2024-02-15T14:31:28.077" v="52" actId="2696"/>
+      <pc:docMkLst>
+        <pc:docMk/>
+      </pc:docMkLst>
+      <pc:sldChg chg="modSp mod">
+        <pc:chgData name="Andrew Beatty" userId="ddf183e3-d1da-49e1-9619-81ceb6b4ef92" providerId="ADAL" clId="{610437E5-3225-4615-AB6C-F8B6B2472973}" dt="2024-02-15T14:31:06.341" v="51" actId="20577"/>
+        <pc:sldMkLst>
+          <pc:docMk/>
+          <pc:sldMk cId="1560032216" sldId="256"/>
+        </pc:sldMkLst>
+        <pc:spChg chg="mod">
+          <ac:chgData name="Andrew Beatty" userId="ddf183e3-d1da-49e1-9619-81ceb6b4ef92" providerId="ADAL" clId="{610437E5-3225-4615-AB6C-F8B6B2472973}" dt="2024-02-15T14:31:06.341" v="51" actId="20577"/>
+          <ac:spMkLst>
+            <pc:docMk/>
+            <pc:sldMk cId="1560032216" sldId="256"/>
+            <ac:spMk id="3" creationId="{93C118C7-43D2-46DB-A4CB-64F229138918}"/>
+          </ac:spMkLst>
+        </pc:spChg>
+      </pc:sldChg>
+      <pc:sldChg chg="del">
+        <pc:chgData name="Andrew Beatty" userId="ddf183e3-d1da-49e1-9619-81ceb6b4ef92" providerId="ADAL" clId="{610437E5-3225-4615-AB6C-F8B6B2472973}" dt="2024-02-15T14:31:28.077" v="52" actId="2696"/>
+        <pc:sldMkLst>
+          <pc:docMk/>
+          <pc:sldMk cId="1598453332" sldId="264"/>
+        </pc:sldMkLst>
+      </pc:sldChg>
+    </pc:docChg>
+  </pc:docChgLst>
 </pc:chgInfo>
 </file>
 
@@ -632,7 +662,7 @@
           <a:p>
             <a:fld id="{83284890-85D2-4D7B-8EF5-15A9C1DB8F42}" type="datetimeFigureOut">
               <a:rPr lang="en-US" dirty="0"/>
-              <a:t>10/9/2023</a:t>
+              <a:t>2/15/2024</a:t>
             </a:fld>
             <a:endParaRPr lang="en-US" dirty="0"/>
           </a:p>
@@ -807,7 +837,7 @@
           <a:p>
             <a:fld id="{87157CC2-0FC8-4686-B024-99790E0F5162}" type="datetimeFigureOut">
               <a:rPr lang="en-US" dirty="0"/>
-              <a:t>10/9/2023</a:t>
+              <a:t>2/15/2024</a:t>
             </a:fld>
             <a:endParaRPr lang="en-US" dirty="0"/>
           </a:p>
@@ -982,7 +1012,7 @@
           <a:p>
             <a:fld id="{F6764DA5-CD3D-4590-A511-FCD3BC7A793E}" type="datetimeFigureOut">
               <a:rPr lang="en-US" dirty="0"/>
-              <a:t>10/9/2023</a:t>
+              <a:t>2/15/2024</a:t>
             </a:fld>
             <a:endParaRPr lang="en-US" dirty="0"/>
           </a:p>
@@ -1147,7 +1177,7 @@
           <a:p>
             <a:fld id="{82F5661D-6934-4B32-B92C-470368BF1EC6}" type="datetimeFigureOut">
               <a:rPr lang="en-US" dirty="0"/>
-              <a:t>10/9/2023</a:t>
+              <a:t>2/15/2024</a:t>
             </a:fld>
             <a:endParaRPr lang="en-US" dirty="0"/>
           </a:p>
@@ -1455,7 +1485,7 @@
           <a:p>
             <a:fld id="{C6F822A4-8DA6-4447-9B1F-C5DB58435268}" type="datetimeFigureOut">
               <a:rPr lang="en-US" dirty="0"/>
-              <a:t>10/9/2023</a:t>
+              <a:t>2/15/2024</a:t>
             </a:fld>
             <a:endParaRPr lang="en-US" dirty="0"/>
           </a:p>
@@ -1837,7 +1867,7 @@
           <a:p>
             <a:fld id="{E548D31E-DCDA-41A7-9C67-C4B11B94D21D}" type="datetimeFigureOut">
               <a:rPr lang="en-US" dirty="0"/>
-              <a:t>10/9/2023</a:t>
+              <a:t>2/15/2024</a:t>
             </a:fld>
             <a:endParaRPr lang="en-US" dirty="0"/>
           </a:p>
@@ -2266,7 +2296,7 @@
           <a:p>
             <a:fld id="{9B3762C0-B258-48F1-ADE6-176B4174CCDD}" type="datetimeFigureOut">
               <a:rPr lang="en-US" dirty="0"/>
-              <a:t>10/9/2023</a:t>
+              <a:t>2/15/2024</a:t>
             </a:fld>
             <a:endParaRPr lang="en-US" dirty="0"/>
           </a:p>
@@ -2379,7 +2409,7 @@
           <a:p>
             <a:fld id="{677919A6-33EB-49BD-A62F-1FA56B9F9712}" type="datetimeFigureOut">
               <a:rPr lang="en-US" dirty="0"/>
-              <a:t>10/9/2023</a:t>
+              <a:t>2/15/2024</a:t>
             </a:fld>
             <a:endParaRPr lang="en-US" dirty="0"/>
           </a:p>
@@ -2469,7 +2499,7 @@
           <a:p>
             <a:fld id="{CA4E7D1B-D673-4CF6-8672-009D42ABD2A0}" type="datetimeFigureOut">
               <a:rPr lang="en-US" dirty="0"/>
-              <a:t>10/9/2023</a:t>
+              <a:t>2/15/2024</a:t>
             </a:fld>
             <a:endParaRPr lang="en-US" dirty="0"/>
           </a:p>
@@ -2814,7 +2844,7 @@
           <a:p>
             <a:fld id="{DA16AA21-1863-4931-97CB-99D0A168701B}" type="datetimeFigureOut">
               <a:rPr lang="en-US" dirty="0"/>
-              <a:t>10/9/2023</a:t>
+              <a:t>2/15/2024</a:t>
             </a:fld>
             <a:endParaRPr lang="en-US" dirty="0"/>
           </a:p>
@@ -3234,7 +3264,7 @@
           <a:p>
             <a:fld id="{3772C379-9A7C-4C87-A116-CBE9F58B04C5}" type="datetimeFigureOut">
               <a:rPr lang="en-US" dirty="0"/>
-              <a:t>10/9/2023</a:t>
+              <a:t>2/15/2024</a:t>
             </a:fld>
             <a:endParaRPr lang="en-US" dirty="0"/>
           </a:p>
@@ -3510,7 +3540,7 @@
           <a:p>
             <a:fld id="{8664C608-40B1-4030-A28D-5B74BC98ADCE}" type="datetimeFigureOut">
               <a:rPr lang="en-US" dirty="0"/>
-              <a:t>10/9/2023</a:t>
+              <a:t>2/15/2024</a:t>
             </a:fld>
             <a:endParaRPr lang="en-US" dirty="0"/>
           </a:p>
@@ -4143,7 +4173,7 @@
           <a:p>
             <a:r>
               <a:rPr lang="en-IE" dirty="0"/>
-              <a:t>Data Representation</a:t>
+              <a:t>Web Services and Applications</a:t>
             </a:r>
             <a:endParaRPr lang="en-IE" dirty="0">
               <a:hlinkClick r:id="rId2"/>
@@ -4331,6 +4361,13 @@
             <a:schemeClr val="lt1"/>
           </a:fontRef>
         </p:style>
+        <p:txBody>
+          <a:bodyPr/>
+          <a:lstStyle/>
+          <a:p>
+            <a:endParaRPr lang="en-IE"/>
+          </a:p>
+        </p:txBody>
       </p:sp>
       <p:sp>
         <p:nvSpPr>
@@ -4405,6 +4442,13 @@
             <a:schemeClr val="lt1"/>
           </a:fontRef>
         </p:style>
+        <p:txBody>
+          <a:bodyPr/>
+          <a:lstStyle/>
+          <a:p>
+            <a:endParaRPr lang="en-IE"/>
+          </a:p>
+        </p:txBody>
       </p:sp>
       <p:sp>
         <p:nvSpPr>
@@ -4479,6 +4523,13 @@
             <a:schemeClr val="lt1"/>
           </a:fontRef>
         </p:style>
+        <p:txBody>
+          <a:bodyPr/>
+          <a:lstStyle/>
+          <a:p>
+            <a:endParaRPr lang="en-IE"/>
+          </a:p>
+        </p:txBody>
       </p:sp>
       <p:sp>
         <p:nvSpPr>
@@ -4939,6 +4990,13 @@
             <a:schemeClr val="lt1"/>
           </a:fontRef>
         </p:style>
+        <p:txBody>
+          <a:bodyPr/>
+          <a:lstStyle/>
+          <a:p>
+            <a:endParaRPr lang="en-IE"/>
+          </a:p>
+        </p:txBody>
       </p:sp>
       <p:sp>
         <p:nvSpPr>
@@ -5013,6 +5071,13 @@
             <a:schemeClr val="lt1"/>
           </a:fontRef>
         </p:style>
+        <p:txBody>
+          <a:bodyPr/>
+          <a:lstStyle/>
+          <a:p>
+            <a:endParaRPr lang="en-IE"/>
+          </a:p>
+        </p:txBody>
       </p:sp>
       <p:sp>
         <p:nvSpPr>
@@ -5087,6 +5152,13 @@
             <a:schemeClr val="lt1"/>
           </a:fontRef>
         </p:style>
+        <p:txBody>
+          <a:bodyPr/>
+          <a:lstStyle/>
+          <a:p>
+            <a:endParaRPr lang="en-IE"/>
+          </a:p>
+        </p:txBody>
       </p:sp>
       <p:sp>
         <p:nvSpPr>
@@ -5347,36 +5419,6 @@
 </file>
 
 <file path=ppt/slides/slide4.xml><?xml version="1.0" encoding="utf-8"?>
-<p:sld xmlns:a="http://schemas.openxmlformats.org/drawingml/2006/main" xmlns:r="http://schemas.openxmlformats.org/officeDocument/2006/relationships" xmlns:p="http://schemas.openxmlformats.org/presentationml/2006/main">
-  <p:cSld>
-    <p:spTree>
-      <p:nvGrpSpPr>
-        <p:cNvPr id="1" name=""/>
-        <p:cNvGrpSpPr/>
-        <p:nvPr/>
-      </p:nvGrpSpPr>
-      <p:grpSpPr>
-        <a:xfrm>
-          <a:off x="0" y="0"/>
-          <a:ext cx="0" cy="0"/>
-          <a:chOff x="0" y="0"/>
-          <a:chExt cx="0" cy="0"/>
-        </a:xfrm>
-      </p:grpSpPr>
-    </p:spTree>
-    <p:extLst>
-      <p:ext uri="{BB962C8B-B14F-4D97-AF65-F5344CB8AC3E}">
-        <p14:creationId xmlns:p14="http://schemas.microsoft.com/office/powerpoint/2010/main" val="1598453332"/>
-      </p:ext>
-    </p:extLst>
-  </p:cSld>
-  <p:clrMapOvr>
-    <a:masterClrMapping/>
-  </p:clrMapOvr>
-</p:sld>
-</file>
-
-<file path=ppt/slides/slide5.xml><?xml version="1.0" encoding="utf-8"?>
 <p:sld xmlns:a="http://schemas.openxmlformats.org/drawingml/2006/main" xmlns:r="http://schemas.openxmlformats.org/officeDocument/2006/relationships" xmlns:p="http://schemas.openxmlformats.org/presentationml/2006/main">
   <p:cSld>
     <p:spTree>
